--- a/prezentacie/t20w.pptx
+++ b/prezentacie/t20w.pptx
@@ -257,7 +257,7 @@
           <a:p>
             <a:fld id="{10052495-8BC8-4CFB-94B1-B0429F101A0D}" type="datetimeFigureOut">
               <a:rPr lang="sk-SK" smtClean="0"/>
-              <a:t>5. 2. 2026</a:t>
+              <a:t>17. 2. 2026</a:t>
             </a:fld>
             <a:endParaRPr lang="sk-SK"/>
           </a:p>
@@ -427,7 +427,7 @@
           <a:p>
             <a:fld id="{10052495-8BC8-4CFB-94B1-B0429F101A0D}" type="datetimeFigureOut">
               <a:rPr lang="sk-SK" smtClean="0"/>
-              <a:t>5. 2. 2026</a:t>
+              <a:t>17. 2. 2026</a:t>
             </a:fld>
             <a:endParaRPr lang="sk-SK"/>
           </a:p>
@@ -607,7 +607,7 @@
           <a:p>
             <a:fld id="{10052495-8BC8-4CFB-94B1-B0429F101A0D}" type="datetimeFigureOut">
               <a:rPr lang="sk-SK" smtClean="0"/>
-              <a:t>5. 2. 2026</a:t>
+              <a:t>17. 2. 2026</a:t>
             </a:fld>
             <a:endParaRPr lang="sk-SK"/>
           </a:p>
@@ -777,7 +777,7 @@
           <a:p>
             <a:fld id="{10052495-8BC8-4CFB-94B1-B0429F101A0D}" type="datetimeFigureOut">
               <a:rPr lang="sk-SK" smtClean="0"/>
-              <a:t>5. 2. 2026</a:t>
+              <a:t>17. 2. 2026</a:t>
             </a:fld>
             <a:endParaRPr lang="sk-SK"/>
           </a:p>
@@ -1023,7 +1023,7 @@
           <a:p>
             <a:fld id="{10052495-8BC8-4CFB-94B1-B0429F101A0D}" type="datetimeFigureOut">
               <a:rPr lang="sk-SK" smtClean="0"/>
-              <a:t>5. 2. 2026</a:t>
+              <a:t>17. 2. 2026</a:t>
             </a:fld>
             <a:endParaRPr lang="sk-SK"/>
           </a:p>
@@ -1255,7 +1255,7 @@
           <a:p>
             <a:fld id="{10052495-8BC8-4CFB-94B1-B0429F101A0D}" type="datetimeFigureOut">
               <a:rPr lang="sk-SK" smtClean="0"/>
-              <a:t>5. 2. 2026</a:t>
+              <a:t>17. 2. 2026</a:t>
             </a:fld>
             <a:endParaRPr lang="sk-SK"/>
           </a:p>
@@ -1622,7 +1622,7 @@
           <a:p>
             <a:fld id="{10052495-8BC8-4CFB-94B1-B0429F101A0D}" type="datetimeFigureOut">
               <a:rPr lang="sk-SK" smtClean="0"/>
-              <a:t>5. 2. 2026</a:t>
+              <a:t>17. 2. 2026</a:t>
             </a:fld>
             <a:endParaRPr lang="sk-SK"/>
           </a:p>
@@ -1740,7 +1740,7 @@
           <a:p>
             <a:fld id="{10052495-8BC8-4CFB-94B1-B0429F101A0D}" type="datetimeFigureOut">
               <a:rPr lang="sk-SK" smtClean="0"/>
-              <a:t>5. 2. 2026</a:t>
+              <a:t>17. 2. 2026</a:t>
             </a:fld>
             <a:endParaRPr lang="sk-SK"/>
           </a:p>
@@ -1835,7 +1835,7 @@
           <a:p>
             <a:fld id="{10052495-8BC8-4CFB-94B1-B0429F101A0D}" type="datetimeFigureOut">
               <a:rPr lang="sk-SK" smtClean="0"/>
-              <a:t>5. 2. 2026</a:t>
+              <a:t>17. 2. 2026</a:t>
             </a:fld>
             <a:endParaRPr lang="sk-SK"/>
           </a:p>
@@ -2112,7 +2112,7 @@
           <a:p>
             <a:fld id="{10052495-8BC8-4CFB-94B1-B0429F101A0D}" type="datetimeFigureOut">
               <a:rPr lang="sk-SK" smtClean="0"/>
-              <a:t>5. 2. 2026</a:t>
+              <a:t>17. 2. 2026</a:t>
             </a:fld>
             <a:endParaRPr lang="sk-SK"/>
           </a:p>
@@ -2369,7 +2369,7 @@
           <a:p>
             <a:fld id="{10052495-8BC8-4CFB-94B1-B0429F101A0D}" type="datetimeFigureOut">
               <a:rPr lang="sk-SK" smtClean="0"/>
-              <a:t>5. 2. 2026</a:t>
+              <a:t>17. 2. 2026</a:t>
             </a:fld>
             <a:endParaRPr lang="sk-SK"/>
           </a:p>
@@ -2582,7 +2582,7 @@
           <a:p>
             <a:fld id="{10052495-8BC8-4CFB-94B1-B0429F101A0D}" type="datetimeFigureOut">
               <a:rPr lang="sk-SK" smtClean="0"/>
-              <a:t>5. 2. 2026</a:t>
+              <a:t>17. 2. 2026</a:t>
             </a:fld>
             <a:endParaRPr lang="sk-SK"/>
           </a:p>
@@ -3508,7 +3508,15 @@
             </a:br>
             <a:r>
               <a:rPr lang="sk-SK" b="1" dirty="0"/>
-              <a:t>Ing. Jozef Wagner PhD.</a:t>
+              <a:t>Ing. Jozef Wagner</a:t>
+            </a:r>
+            <a:r>
+              <a:rPr lang="en-US" b="1" dirty="0"/>
+              <a:t>,</a:t>
+            </a:r>
+            <a:r>
+              <a:rPr lang="sk-SK" b="1" dirty="0"/>
+              <a:t> PhD.</a:t>
             </a:r>
           </a:p>
           <a:p>
@@ -4800,12 +4808,8 @@
               <a:t>Scene</a:t>
             </a:r>
             <a:r>
-              <a:rPr lang="sk-SK"/>
-              <a:t> – to, </a:t>
-            </a:r>
-            <a:r>
               <a:rPr lang="sk-SK" dirty="0"/>
-              <a:t>čo sa v okne aktuálne zobrazuje.</a:t>
+              <a:t> – to, čo sa v okne aktuálne zobrazuje.</a:t>
             </a:r>
             <a:endParaRPr lang="sk-SK" sz="2800" dirty="0"/>
           </a:p>
